--- a/proto-2/build/cards.pptx
+++ b/proto-2/build/cards.pptx
@@ -474,6 +474,90 @@
     </a:lvl9pPr>
   </p:notesStyle>
 </p:notesMaster>
+</file>
+
+<file path=ppt/notesSlides/notesSlide1.xml><?xml version="1.0" encoding="utf-8"?>
+<p:notes xmlns:a="http://schemas.openxmlformats.org/drawingml/2006/main" xmlns:r="http://schemas.openxmlformats.org/officeDocument/2006/relationships" xmlns:p="http://schemas.openxmlformats.org/presentationml/2006/main">
+  <p:cSld>
+    <p:spTree>
+      <p:nvGrpSpPr>
+        <p:cNvPr id="1" name=""/>
+        <p:cNvGrpSpPr/>
+        <p:nvPr/>
+      </p:nvGrpSpPr>
+      <p:grpSpPr>
+        <a:xfrm>
+          <a:off x="0" y="0"/>
+          <a:ext cx="0" cy="0"/>
+          <a:chOff x="0" y="0"/>
+          <a:chExt cx="0" cy="0"/>
+        </a:xfrm>
+      </p:grpSpPr>
+      <p:sp>
+        <p:nvSpPr>
+          <p:cNvPr id="2" name="Slide Image Placeholder 1"/>
+          <p:cNvSpPr>
+            <a:spLocks noGrp="1" noRot="1" noChangeAspect="1"/>
+          </p:cNvSpPr>
+          <p:nvPr>
+            <p:ph type="sldImg"/>
+          </p:nvPr>
+        </p:nvSpPr>
+        <p:spPr/>
+      </p:sp>
+      <p:sp>
+        <p:nvSpPr>
+          <p:cNvPr id="3" name="Notes Placeholder 2"/>
+          <p:cNvSpPr>
+            <a:spLocks noGrp="1"/>
+          </p:cNvSpPr>
+          <p:nvPr>
+            <p:ph type="body" idx="1"/>
+          </p:nvPr>
+        </p:nvSpPr>
+        <p:spPr/>
+        <p:txBody>
+          <a:bodyPr/>
+          <a:lstStyle/>
+          <a:p>
+            <a:endParaRPr lang="en-GB" dirty="0"/>
+          </a:p>
+        </p:txBody>
+      </p:sp>
+      <p:sp>
+        <p:nvSpPr>
+          <p:cNvPr id="4" name="Slide Number Placeholder 3"/>
+          <p:cNvSpPr>
+            <a:spLocks noGrp="1"/>
+          </p:cNvSpPr>
+          <p:nvPr>
+            <p:ph type="sldNum" sz="quarter" idx="5"/>
+          </p:nvPr>
+        </p:nvSpPr>
+        <p:spPr/>
+        <p:txBody>
+          <a:bodyPr/>
+          <a:lstStyle/>
+          <a:p>
+            <a:fld id="{EBEF930C-159C-0646-BD90-4BC710A0A97B}" type="slidenum">
+              <a:rPr lang="en-GB" smtClean="0"/>
+              <a:t>1</a:t>
+            </a:fld>
+            <a:endParaRPr lang="en-GB"/>
+          </a:p>
+        </p:txBody>
+      </p:sp>
+    </p:spTree>
+    <p:extLst>
+      <p:ext uri="{BB962C8B-B14F-4D97-AF65-F5344CB8AC3E}">
+        <p14:creationId xmlns:p14="http://schemas.microsoft.com/office/powerpoint/2010/main" val="694073144"/>
+      </p:ext>
+    </p:extLst>
+  </p:cSld>
+  <p:clrMapOvr>
+    <a:masterClrMapping/>
+  </p:clrMapOvr>
+</p:notes>
 </file>
 
 <file path=ppt/slideLayouts/slideLayout1.xml><?xml version="1.0" encoding="utf-8"?>
@@ -3338,162 +3422,124 @@
           <a:chExt cx="0" cy="0"/>
         </a:xfrm>
       </p:grpSpPr>
-      <p:sp>
-        <p:nvSpPr>
-          <p:cNvPr id="6" name="Rectangle 5">
+      <p:pic>
+        <p:nvPicPr>
+          <p:cNvPr id="16" name="Picture 15">
             <a:extLst>
               <a:ext uri="{FF2B5EF4-FFF2-40B4-BE49-F238E27FC236}">
-                <a16:creationId xmlns:a16="http://schemas.microsoft.com/office/drawing/2014/main" id="{53E57EC5-53D9-EAE4-C27F-F5B40BDABD5C}"/>
+                <a16:creationId xmlns:a16="http://schemas.microsoft.com/office/drawing/2014/main" id="{70F0FF29-7CBE-4422-DA79-719723FF5FBA}"/>
               </a:ext>
             </a:extLst>
           </p:cNvPr>
-          <p:cNvSpPr/>
+          <p:cNvPicPr>
+            <a:picLocks noChangeAspect="1"/>
+          </p:cNvPicPr>
           <p:nvPr/>
-        </p:nvSpPr>
+        </p:nvPicPr>
+        <p:blipFill>
+          <a:blip r:embed="rId3"/>
+          <a:stretch>
+            <a:fillRect/>
+          </a:stretch>
+        </p:blipFill>
         <p:spPr>
           <a:xfrm>
-            <a:off x="0" y="0"/>
-            <a:ext cx="6858000" cy="9906000"/>
+            <a:off x="0" y="4951394"/>
+            <a:ext cx="6858000" cy="5032412"/>
           </a:xfrm>
           <a:prstGeom prst="rect">
             <a:avLst/>
           </a:prstGeom>
-          <a:noFill/>
-          <a:ln w="38100">
-            <a:solidFill>
-              <a:schemeClr val="tx1"/>
-            </a:solidFill>
-          </a:ln>
         </p:spPr>
-        <p:style>
-          <a:lnRef idx="2">
-            <a:schemeClr val="accent1">
-              <a:shade val="15000"/>
-            </a:schemeClr>
-          </a:lnRef>
-          <a:fillRef idx="1">
-            <a:schemeClr val="accent1"/>
-          </a:fillRef>
-          <a:effectRef idx="0">
-            <a:schemeClr val="accent1"/>
-          </a:effectRef>
-          <a:fontRef idx="minor">
-            <a:schemeClr val="lt1"/>
-          </a:fontRef>
-        </p:style>
-        <p:txBody>
-          <a:bodyPr rtlCol="0" anchor="ctr"/>
-          <a:lstStyle/>
-          <a:p>
-            <a:pPr algn="ctr"/>
-            <a:endParaRPr lang="en-GB" dirty="0"/>
-          </a:p>
-        </p:txBody>
-      </p:sp>
-      <p:sp>
-        <p:nvSpPr>
-          <p:cNvPr id="7" name="Rectangle 6">
+      </p:pic>
+      <p:pic>
+        <p:nvPicPr>
+          <p:cNvPr id="18" name="Picture 17">
             <a:extLst>
               <a:ext uri="{FF2B5EF4-FFF2-40B4-BE49-F238E27FC236}">
-                <a16:creationId xmlns:a16="http://schemas.microsoft.com/office/drawing/2014/main" id="{61D9B7AC-5DF8-3276-C3C5-3FD2F2922715}"/>
+                <a16:creationId xmlns:a16="http://schemas.microsoft.com/office/drawing/2014/main" id="{641FFDB0-93F0-BB0B-997B-FCCE50A3C0C8}"/>
               </a:ext>
             </a:extLst>
           </p:cNvPr>
-          <p:cNvSpPr/>
+          <p:cNvPicPr>
+            <a:picLocks noChangeAspect="1"/>
+          </p:cNvPicPr>
           <p:nvPr/>
-        </p:nvSpPr>
+        </p:nvPicPr>
+        <p:blipFill>
+          <a:blip r:embed="rId4"/>
+          <a:srcRect t="1123"/>
+          <a:stretch/>
+        </p:blipFill>
         <p:spPr>
           <a:xfrm>
-            <a:off x="0" y="0"/>
-            <a:ext cx="3429000" cy="4953000"/>
+            <a:off x="0" y="10050"/>
+            <a:ext cx="6858000" cy="4927731"/>
           </a:xfrm>
           <a:prstGeom prst="rect">
             <a:avLst/>
           </a:prstGeom>
-          <a:noFill/>
-          <a:ln w="38100">
-            <a:solidFill>
-              <a:schemeClr val="tx1"/>
-            </a:solidFill>
-          </a:ln>
         </p:spPr>
-        <p:style>
-          <a:lnRef idx="2">
-            <a:schemeClr val="accent1">
-              <a:shade val="15000"/>
-            </a:schemeClr>
-          </a:lnRef>
-          <a:fillRef idx="1">
-            <a:schemeClr val="accent1"/>
-          </a:fillRef>
-          <a:effectRef idx="0">
-            <a:schemeClr val="accent1"/>
-          </a:effectRef>
-          <a:fontRef idx="minor">
-            <a:schemeClr val="lt1"/>
-          </a:fontRef>
-        </p:style>
-        <p:txBody>
-          <a:bodyPr rtlCol="0" anchor="ctr"/>
-          <a:lstStyle/>
-          <a:p>
-            <a:pPr algn="ctr"/>
-            <a:endParaRPr lang="en-GB" dirty="0"/>
-          </a:p>
-        </p:txBody>
-      </p:sp>
-      <p:sp>
-        <p:nvSpPr>
-          <p:cNvPr id="8" name="Rectangle 7">
+      </p:pic>
+      <p:pic>
+        <p:nvPicPr>
+          <p:cNvPr id="19" name="Picture 18">
             <a:extLst>
               <a:ext uri="{FF2B5EF4-FFF2-40B4-BE49-F238E27FC236}">
-                <a16:creationId xmlns:a16="http://schemas.microsoft.com/office/drawing/2014/main" id="{10620968-9884-29FD-3A0A-CBB4DF8987CC}"/>
+                <a16:creationId xmlns:a16="http://schemas.microsoft.com/office/drawing/2014/main" id="{82ACC579-FDF1-BD82-3EBE-A92612D1808A}"/>
               </a:ext>
             </a:extLst>
           </p:cNvPr>
-          <p:cNvSpPr/>
+          <p:cNvPicPr>
+            <a:picLocks noChangeAspect="1"/>
+          </p:cNvPicPr>
           <p:nvPr/>
-        </p:nvSpPr>
+        </p:nvPicPr>
+        <p:blipFill>
+          <a:blip r:embed="rId5"/>
+          <a:stretch>
+            <a:fillRect/>
+          </a:stretch>
+        </p:blipFill>
         <p:spPr>
           <a:xfrm>
-            <a:off x="3429000" y="4953000"/>
-            <a:ext cx="3429000" cy="4953000"/>
+            <a:off x="0" y="13775"/>
+            <a:ext cx="6858000" cy="4994937"/>
           </a:xfrm>
           <a:prstGeom prst="rect">
             <a:avLst/>
           </a:prstGeom>
-          <a:noFill/>
-          <a:ln w="38100">
-            <a:solidFill>
-              <a:schemeClr val="tx1"/>
-            </a:solidFill>
-          </a:ln>
         </p:spPr>
-        <p:style>
-          <a:lnRef idx="2">
-            <a:schemeClr val="accent1">
-              <a:shade val="15000"/>
-            </a:schemeClr>
-          </a:lnRef>
-          <a:fillRef idx="1">
-            <a:schemeClr val="accent1"/>
-          </a:fillRef>
-          <a:effectRef idx="0">
-            <a:schemeClr val="accent1"/>
-          </a:effectRef>
-          <a:fontRef idx="minor">
-            <a:schemeClr val="lt1"/>
-          </a:fontRef>
-        </p:style>
-        <p:txBody>
-          <a:bodyPr rtlCol="0" anchor="ctr"/>
-          <a:lstStyle/>
-          <a:p>
-            <a:pPr algn="ctr"/>
-            <a:endParaRPr lang="en-GB" dirty="0"/>
-          </a:p>
-        </p:txBody>
-      </p:sp>
+      </p:pic>
+      <p:pic>
+        <p:nvPicPr>
+          <p:cNvPr id="20" name="Picture 19">
+            <a:extLst>
+              <a:ext uri="{FF2B5EF4-FFF2-40B4-BE49-F238E27FC236}">
+                <a16:creationId xmlns:a16="http://schemas.microsoft.com/office/drawing/2014/main" id="{C7174389-BCAD-3462-2B3D-167B4D04FDA2}"/>
+              </a:ext>
+            </a:extLst>
+          </p:cNvPr>
+          <p:cNvPicPr>
+            <a:picLocks noChangeAspect="1"/>
+          </p:cNvPicPr>
+          <p:nvPr/>
+        </p:nvPicPr>
+        <p:blipFill>
+          <a:blip r:embed="rId6"/>
+          <a:srcRect t="709"/>
+          <a:stretch/>
+        </p:blipFill>
+        <p:spPr>
+          <a:xfrm>
+            <a:off x="0" y="5008712"/>
+            <a:ext cx="6858000" cy="4826642"/>
+          </a:xfrm>
+          <a:prstGeom prst="rect">
+            <a:avLst/>
+          </a:prstGeom>
+        </p:spPr>
+      </p:pic>
     </p:spTree>
     <p:extLst>
       <p:ext uri="{BB962C8B-B14F-4D97-AF65-F5344CB8AC3E}">
